--- a/Week-10/Angular/Angular-Overview.pptx
+++ b/Week-10/Angular/Angular-Overview.pptx
@@ -18,8 +18,8 @@
     <p:sldId id="260" r:id="rId9"/>
     <p:sldId id="262" r:id="rId10"/>
     <p:sldId id="264" r:id="rId11"/>
-    <p:sldId id="265" r:id="rId12"/>
-    <p:sldId id="266" r:id="rId13"/>
+    <p:sldId id="266" r:id="rId12"/>
+    <p:sldId id="265" r:id="rId13"/>
     <p:sldId id="267" r:id="rId14"/>
     <p:sldId id="268" r:id="rId15"/>
     <p:sldId id="269" r:id="rId16"/>
@@ -228,7 +228,7 @@
             <a:fld id="{FD6E9330-9392-43C4-950A-D5CED98CCE45}" type="datetimeFigureOut">
               <a:rPr lang="en-US" smtClean="0"/>
               <a:pPr/>
-              <a:t>7/31/2025</a:t>
+              <a:t>8/1/2025</a:t>
             </a:fld>
             <a:endParaRPr lang="en-US"/>
           </a:p>
@@ -611,7 +611,7 @@
         <p:cNvPr id="1" name="">
           <a:extLst>
             <a:ext uri="{FF2B5EF4-FFF2-40B4-BE49-F238E27FC236}">
-              <a16:creationId xmlns:a16="http://schemas.microsoft.com/office/drawing/2014/main" id="{656B1EF5-C821-EFFC-E7F9-54F116B8F6B7}"/>
+              <a16:creationId xmlns:a16="http://schemas.microsoft.com/office/drawing/2014/main" id="{105A0B1A-1936-C818-AE9C-EBDE12B6101A}"/>
             </a:ext>
           </a:extLst>
         </p:cNvPr>
@@ -631,7 +631,7 @@
           <p:cNvPr id="2" name="Slide Image Placeholder 1">
             <a:extLst>
               <a:ext uri="{FF2B5EF4-FFF2-40B4-BE49-F238E27FC236}">
-                <a16:creationId xmlns:a16="http://schemas.microsoft.com/office/drawing/2014/main" id="{E01A1CE7-5309-360E-0A1B-5B37616AC1B8}"/>
+                <a16:creationId xmlns:a16="http://schemas.microsoft.com/office/drawing/2014/main" id="{72BE1810-308C-7F8D-D0D3-D74DD2CC48B5}"/>
               </a:ext>
             </a:extLst>
           </p:cNvPr>
@@ -649,7 +649,7 @@
           <p:cNvPr id="3" name="Notes Placeholder 2">
             <a:extLst>
               <a:ext uri="{FF2B5EF4-FFF2-40B4-BE49-F238E27FC236}">
-                <a16:creationId xmlns:a16="http://schemas.microsoft.com/office/drawing/2014/main" id="{D368464D-97C0-E408-BCB6-A98D6C2276A8}"/>
+                <a16:creationId xmlns:a16="http://schemas.microsoft.com/office/drawing/2014/main" id="{D4457119-80DF-A986-A839-EBC631E50890}"/>
               </a:ext>
             </a:extLst>
           </p:cNvPr>
@@ -674,7 +674,7 @@
           <p:cNvPr id="4" name="Slide Number Placeholder 3">
             <a:extLst>
               <a:ext uri="{FF2B5EF4-FFF2-40B4-BE49-F238E27FC236}">
-                <a16:creationId xmlns:a16="http://schemas.microsoft.com/office/drawing/2014/main" id="{9F5D550C-8C21-B365-00C6-05D5BDEDBF53}"/>
+                <a16:creationId xmlns:a16="http://schemas.microsoft.com/office/drawing/2014/main" id="{BF457518-6C2F-FC7E-311E-5FCC57915E75}"/>
               </a:ext>
             </a:extLst>
           </p:cNvPr>
@@ -704,7 +704,7 @@
           <p:cNvPr id="5" name="Footer Placeholder 4">
             <a:extLst>
               <a:ext uri="{FF2B5EF4-FFF2-40B4-BE49-F238E27FC236}">
-                <a16:creationId xmlns:a16="http://schemas.microsoft.com/office/drawing/2014/main" id="{1EC3FEC2-9FF7-3663-6F34-D9159AA520E9}"/>
+                <a16:creationId xmlns:a16="http://schemas.microsoft.com/office/drawing/2014/main" id="{E8A7E67E-A0C4-0006-0CC3-402334A5578D}"/>
               </a:ext>
             </a:extLst>
           </p:cNvPr>
@@ -730,7 +730,7 @@
     </p:spTree>
     <p:extLst>
       <p:ext uri="{BB962C8B-B14F-4D97-AF65-F5344CB8AC3E}">
-        <p14:creationId xmlns:p14="http://schemas.microsoft.com/office/powerpoint/2010/main" val="3613184249"/>
+        <p14:creationId xmlns:p14="http://schemas.microsoft.com/office/powerpoint/2010/main" val="2444849637"/>
       </p:ext>
     </p:extLst>
   </p:cSld>
@@ -748,7 +748,7 @@
         <p:cNvPr id="1" name="">
           <a:extLst>
             <a:ext uri="{FF2B5EF4-FFF2-40B4-BE49-F238E27FC236}">
-              <a16:creationId xmlns:a16="http://schemas.microsoft.com/office/drawing/2014/main" id="{105A0B1A-1936-C818-AE9C-EBDE12B6101A}"/>
+              <a16:creationId xmlns:a16="http://schemas.microsoft.com/office/drawing/2014/main" id="{656B1EF5-C821-EFFC-E7F9-54F116B8F6B7}"/>
             </a:ext>
           </a:extLst>
         </p:cNvPr>
@@ -768,7 +768,7 @@
           <p:cNvPr id="2" name="Slide Image Placeholder 1">
             <a:extLst>
               <a:ext uri="{FF2B5EF4-FFF2-40B4-BE49-F238E27FC236}">
-                <a16:creationId xmlns:a16="http://schemas.microsoft.com/office/drawing/2014/main" id="{72BE1810-308C-7F8D-D0D3-D74DD2CC48B5}"/>
+                <a16:creationId xmlns:a16="http://schemas.microsoft.com/office/drawing/2014/main" id="{E01A1CE7-5309-360E-0A1B-5B37616AC1B8}"/>
               </a:ext>
             </a:extLst>
           </p:cNvPr>
@@ -786,7 +786,7 @@
           <p:cNvPr id="3" name="Notes Placeholder 2">
             <a:extLst>
               <a:ext uri="{FF2B5EF4-FFF2-40B4-BE49-F238E27FC236}">
-                <a16:creationId xmlns:a16="http://schemas.microsoft.com/office/drawing/2014/main" id="{D4457119-80DF-A986-A839-EBC631E50890}"/>
+                <a16:creationId xmlns:a16="http://schemas.microsoft.com/office/drawing/2014/main" id="{D368464D-97C0-E408-BCB6-A98D6C2276A8}"/>
               </a:ext>
             </a:extLst>
           </p:cNvPr>
@@ -811,7 +811,7 @@
           <p:cNvPr id="4" name="Slide Number Placeholder 3">
             <a:extLst>
               <a:ext uri="{FF2B5EF4-FFF2-40B4-BE49-F238E27FC236}">
-                <a16:creationId xmlns:a16="http://schemas.microsoft.com/office/drawing/2014/main" id="{BF457518-6C2F-FC7E-311E-5FCC57915E75}"/>
+                <a16:creationId xmlns:a16="http://schemas.microsoft.com/office/drawing/2014/main" id="{9F5D550C-8C21-B365-00C6-05D5BDEDBF53}"/>
               </a:ext>
             </a:extLst>
           </p:cNvPr>
@@ -841,7 +841,7 @@
           <p:cNvPr id="5" name="Footer Placeholder 4">
             <a:extLst>
               <a:ext uri="{FF2B5EF4-FFF2-40B4-BE49-F238E27FC236}">
-                <a16:creationId xmlns:a16="http://schemas.microsoft.com/office/drawing/2014/main" id="{E8A7E67E-A0C4-0006-0CC3-402334A5578D}"/>
+                <a16:creationId xmlns:a16="http://schemas.microsoft.com/office/drawing/2014/main" id="{1EC3FEC2-9FF7-3663-6F34-D9159AA520E9}"/>
               </a:ext>
             </a:extLst>
           </p:cNvPr>
@@ -867,7 +867,7 @@
     </p:spTree>
     <p:extLst>
       <p:ext uri="{BB962C8B-B14F-4D97-AF65-F5344CB8AC3E}">
-        <p14:creationId xmlns:p14="http://schemas.microsoft.com/office/powerpoint/2010/main" val="2444849637"/>
+        <p14:creationId xmlns:p14="http://schemas.microsoft.com/office/powerpoint/2010/main" val="3613184249"/>
       </p:ext>
     </p:extLst>
   </p:cSld>
@@ -3359,7 +3359,7 @@
             <a:fld id="{1D8BD707-D9CF-40AE-B4C6-C98DA3205C09}" type="datetimeFigureOut">
               <a:rPr lang="en-US" smtClean="0"/>
               <a:pPr/>
-              <a:t>7/31/2025</a:t>
+              <a:t>8/1/2025</a:t>
             </a:fld>
             <a:endParaRPr lang="en-US"/>
           </a:p>
@@ -3551,7 +3551,7 @@
             <a:fld id="{1D8BD707-D9CF-40AE-B4C6-C98DA3205C09}" type="datetimeFigureOut">
               <a:rPr lang="en-US" smtClean="0"/>
               <a:pPr/>
-              <a:t>7/31/2025</a:t>
+              <a:t>8/1/2025</a:t>
             </a:fld>
             <a:endParaRPr lang="en-US"/>
           </a:p>
@@ -3737,7 +3737,7 @@
             <a:fld id="{1D8BD707-D9CF-40AE-B4C6-C98DA3205C09}" type="datetimeFigureOut">
               <a:rPr lang="en-US" smtClean="0"/>
               <a:pPr/>
-              <a:t>7/31/2025</a:t>
+              <a:t>8/1/2025</a:t>
             </a:fld>
             <a:endParaRPr lang="en-US"/>
           </a:p>
@@ -4753,7 +4753,7 @@
             <a:fld id="{1D8BD707-D9CF-40AE-B4C6-C98DA3205C09}" type="datetimeFigureOut">
               <a:rPr lang="en-US" smtClean="0"/>
               <a:pPr/>
-              <a:t>7/31/2025</a:t>
+              <a:t>8/1/2025</a:t>
             </a:fld>
             <a:endParaRPr lang="en-US"/>
           </a:p>
@@ -5170,7 +5170,7 @@
             <a:fld id="{1D8BD707-D9CF-40AE-B4C6-C98DA3205C09}" type="datetimeFigureOut">
               <a:rPr lang="en-US" smtClean="0"/>
               <a:pPr/>
-              <a:t>7/31/2025</a:t>
+              <a:t>8/1/2025</a:t>
             </a:fld>
             <a:endParaRPr lang="en-US"/>
           </a:p>
@@ -5413,7 +5413,7 @@
             <a:fld id="{1D8BD707-D9CF-40AE-B4C6-C98DA3205C09}" type="datetimeFigureOut">
               <a:rPr lang="en-US" smtClean="0"/>
               <a:pPr/>
-              <a:t>7/31/2025</a:t>
+              <a:t>8/1/2025</a:t>
             </a:fld>
             <a:endParaRPr lang="en-US"/>
           </a:p>
@@ -5650,7 +5650,7 @@
             <a:fld id="{1D8BD707-D9CF-40AE-B4C6-C98DA3205C09}" type="datetimeFigureOut">
               <a:rPr lang="en-US" smtClean="0"/>
               <a:pPr/>
-              <a:t>7/31/2025</a:t>
+              <a:t>8/1/2025</a:t>
             </a:fld>
             <a:endParaRPr lang="en-US"/>
           </a:p>
@@ -5846,7 +5846,7 @@
             <a:fld id="{1D8BD707-D9CF-40AE-B4C6-C98DA3205C09}" type="datetimeFigureOut">
               <a:rPr lang="en-US" smtClean="0"/>
               <a:pPr/>
-              <a:t>7/31/2025</a:t>
+              <a:t>8/1/2025</a:t>
             </a:fld>
             <a:endParaRPr lang="en-US"/>
           </a:p>
@@ -5946,7 +5946,7 @@
             <a:fld id="{1D8BD707-D9CF-40AE-B4C6-C98DA3205C09}" type="datetimeFigureOut">
               <a:rPr lang="en-US" smtClean="0"/>
               <a:pPr/>
-              <a:t>7/31/2025</a:t>
+              <a:t>8/1/2025</a:t>
             </a:fld>
             <a:endParaRPr lang="en-US"/>
           </a:p>
@@ -6083,7 +6083,7 @@
             <a:fld id="{1D8BD707-D9CF-40AE-B4C6-C98DA3205C09}" type="datetimeFigureOut">
               <a:rPr lang="en-US" smtClean="0"/>
               <a:pPr/>
-              <a:t>7/31/2025</a:t>
+              <a:t>8/1/2025</a:t>
             </a:fld>
             <a:endParaRPr lang="en-US"/>
           </a:p>
@@ -6602,7 +6602,7 @@
             <a:fld id="{1D8BD707-D9CF-40AE-B4C6-C98DA3205C09}" type="datetimeFigureOut">
               <a:rPr lang="en-US" smtClean="0"/>
               <a:pPr/>
-              <a:t>7/31/2025</a:t>
+              <a:t>8/1/2025</a:t>
             </a:fld>
             <a:endParaRPr lang="en-US"/>
           </a:p>
@@ -6863,7 +6863,7 @@
             <a:fld id="{1D8BD707-D9CF-40AE-B4C6-C98DA3205C09}" type="datetimeFigureOut">
               <a:rPr lang="en-US" smtClean="0"/>
               <a:pPr/>
-              <a:t>7/31/2025</a:t>
+              <a:t>8/1/2025</a:t>
             </a:fld>
             <a:endParaRPr lang="en-US"/>
           </a:p>
@@ -8149,6 +8149,231 @@
         <p:cNvPr id="1" name="">
           <a:extLst>
             <a:ext uri="{FF2B5EF4-FFF2-40B4-BE49-F238E27FC236}">
+              <a16:creationId xmlns:a16="http://schemas.microsoft.com/office/drawing/2014/main" id="{A915FA1C-D90C-1EE1-4A5E-C1468D7DF9FA}"/>
+            </a:ext>
+          </a:extLst>
+        </p:cNvPr>
+        <p:cNvGrpSpPr/>
+        <p:nvPr/>
+      </p:nvGrpSpPr>
+      <p:grpSpPr>
+        <a:xfrm>
+          <a:off x="0" y="0"/>
+          <a:ext cx="0" cy="0"/>
+          <a:chOff x="0" y="0"/>
+          <a:chExt cx="0" cy="0"/>
+        </a:xfrm>
+      </p:grpSpPr>
+      <p:sp>
+        <p:nvSpPr>
+          <p:cNvPr id="4" name="Title 3">
+            <a:extLst>
+              <a:ext uri="{FF2B5EF4-FFF2-40B4-BE49-F238E27FC236}">
+                <a16:creationId xmlns:a16="http://schemas.microsoft.com/office/drawing/2014/main" id="{395EB9BC-F556-C5A1-D1CA-E437796861FE}"/>
+              </a:ext>
+            </a:extLst>
+          </p:cNvPr>
+          <p:cNvSpPr>
+            <a:spLocks noGrp="1"/>
+          </p:cNvSpPr>
+          <p:nvPr>
+            <p:ph type="title"/>
+          </p:nvPr>
+        </p:nvSpPr>
+        <p:spPr/>
+        <p:txBody>
+          <a:bodyPr/>
+          <a:lstStyle/>
+          <a:p>
+            <a:r>
+              <a:rPr lang="en-US" dirty="0"/>
+              <a:t>Step-by-Step Installation</a:t>
+            </a:r>
+          </a:p>
+        </p:txBody>
+      </p:sp>
+      <p:sp>
+        <p:nvSpPr>
+          <p:cNvPr id="5" name="Content Placeholder 4">
+            <a:extLst>
+              <a:ext uri="{FF2B5EF4-FFF2-40B4-BE49-F238E27FC236}">
+                <a16:creationId xmlns:a16="http://schemas.microsoft.com/office/drawing/2014/main" id="{FF1F7756-204F-1927-4533-6720D445168E}"/>
+              </a:ext>
+            </a:extLst>
+          </p:cNvPr>
+          <p:cNvSpPr>
+            <a:spLocks noGrp="1"/>
+          </p:cNvSpPr>
+          <p:nvPr>
+            <p:ph sz="quarter" idx="1"/>
+          </p:nvPr>
+        </p:nvSpPr>
+        <p:spPr/>
+        <p:txBody>
+          <a:bodyPr>
+            <a:normAutofit/>
+          </a:bodyPr>
+          <a:lstStyle/>
+          <a:p>
+            <a:r>
+              <a:rPr lang="en-US" sz="1800" dirty="0"/>
+              <a:t>1. </a:t>
+            </a:r>
+            <a:r>
+              <a:rPr lang="en-US" sz="1800" b="1" dirty="0"/>
+              <a:t>Install Node.js and </a:t>
+            </a:r>
+            <a:r>
+              <a:rPr lang="en-US" sz="1800" b="1" dirty="0" err="1"/>
+              <a:t>npm</a:t>
+            </a:r>
+            <a:endParaRPr lang="en-US" sz="1800" b="1" dirty="0"/>
+          </a:p>
+          <a:p>
+            <a:r>
+              <a:rPr lang="en-US" sz="1800" dirty="0"/>
+              <a:t>Download from: </a:t>
+            </a:r>
+            <a:r>
+              <a:rPr lang="en-US" sz="1800" dirty="0">
+                <a:hlinkClick r:id="rId3"/>
+              </a:rPr>
+              <a:t>https://nodejs.org</a:t>
+            </a:r>
+            <a:endParaRPr lang="en-US" sz="1800" dirty="0"/>
+          </a:p>
+          <a:p>
+            <a:r>
+              <a:rPr lang="en-US" sz="1800" dirty="0"/>
+              <a:t>Verify installation:</a:t>
+            </a:r>
+          </a:p>
+          <a:p>
+            <a:endParaRPr lang="en-US" sz="1800" dirty="0"/>
+          </a:p>
+          <a:p>
+            <a:pPr marL="0" indent="0">
+              <a:buNone/>
+            </a:pPr>
+            <a:endParaRPr lang="en-US" sz="1800" dirty="0"/>
+          </a:p>
+          <a:p>
+            <a:r>
+              <a:rPr lang="en-US" sz="1800" dirty="0"/>
+              <a:t>2. </a:t>
+            </a:r>
+            <a:r>
+              <a:rPr lang="en-US" sz="1800" b="1" dirty="0"/>
+              <a:t>Install Angular CLI</a:t>
+            </a:r>
+          </a:p>
+          <a:p>
+            <a:r>
+              <a:rPr lang="en-US" sz="1800" dirty="0"/>
+              <a:t>The Angular CLI is a command-line tool to create and manage Angular apps.</a:t>
+            </a:r>
+          </a:p>
+          <a:p>
+            <a:endParaRPr lang="en-US" sz="2400" dirty="0"/>
+          </a:p>
+          <a:p>
+            <a:endParaRPr lang="en-US" sz="2400" dirty="0"/>
+          </a:p>
+          <a:p>
+            <a:endParaRPr lang="en-US" sz="2200" dirty="0"/>
+          </a:p>
+          <a:p>
+            <a:endParaRPr lang="en-US" sz="2400" dirty="0"/>
+          </a:p>
+          <a:p>
+            <a:endParaRPr lang="en-US" dirty="0"/>
+          </a:p>
+          <a:p>
+            <a:endParaRPr lang="en-US" dirty="0"/>
+          </a:p>
+        </p:txBody>
+      </p:sp>
+      <p:pic>
+        <p:nvPicPr>
+          <p:cNvPr id="3" name="Picture 2">
+            <a:extLst>
+              <a:ext uri="{FF2B5EF4-FFF2-40B4-BE49-F238E27FC236}">
+                <a16:creationId xmlns:a16="http://schemas.microsoft.com/office/drawing/2014/main" id="{3DDCF9FB-8081-90D5-D4D2-996E73212B5A}"/>
+              </a:ext>
+            </a:extLst>
+          </p:cNvPr>
+          <p:cNvPicPr>
+            <a:picLocks noChangeAspect="1"/>
+          </p:cNvPicPr>
+          <p:nvPr/>
+        </p:nvPicPr>
+        <p:blipFill>
+          <a:blip r:embed="rId4"/>
+          <a:stretch>
+            <a:fillRect/>
+          </a:stretch>
+        </p:blipFill>
+        <p:spPr>
+          <a:xfrm>
+            <a:off x="4038600" y="2514600"/>
+            <a:ext cx="4800600" cy="1028753"/>
+          </a:xfrm>
+          <a:prstGeom prst="rect">
+            <a:avLst/>
+          </a:prstGeom>
+        </p:spPr>
+      </p:pic>
+      <p:pic>
+        <p:nvPicPr>
+          <p:cNvPr id="7" name="Picture 6">
+            <a:extLst>
+              <a:ext uri="{FF2B5EF4-FFF2-40B4-BE49-F238E27FC236}">
+                <a16:creationId xmlns:a16="http://schemas.microsoft.com/office/drawing/2014/main" id="{A7A54E44-03D5-8014-2DF9-E5DD8E18AF14}"/>
+              </a:ext>
+            </a:extLst>
+          </p:cNvPr>
+          <p:cNvPicPr>
+            <a:picLocks noChangeAspect="1"/>
+          </p:cNvPicPr>
+          <p:nvPr/>
+        </p:nvPicPr>
+        <p:blipFill>
+          <a:blip r:embed="rId5"/>
+          <a:stretch>
+            <a:fillRect/>
+          </a:stretch>
+        </p:blipFill>
+        <p:spPr>
+          <a:xfrm>
+            <a:off x="2304800" y="4413136"/>
+            <a:ext cx="4769095" cy="2216264"/>
+          </a:xfrm>
+          <a:prstGeom prst="rect">
+            <a:avLst/>
+          </a:prstGeom>
+        </p:spPr>
+      </p:pic>
+    </p:spTree>
+    <p:extLst>
+      <p:ext uri="{BB962C8B-B14F-4D97-AF65-F5344CB8AC3E}">
+        <p14:creationId xmlns:p14="http://schemas.microsoft.com/office/powerpoint/2010/main" val="3646292140"/>
+      </p:ext>
+    </p:extLst>
+  </p:cSld>
+  <p:clrMapOvr>
+    <a:masterClrMapping/>
+  </p:clrMapOvr>
+</p:sld>
+</file>
+
+<file path=ppt/slides/slide11.xml><?xml version="1.0" encoding="utf-8"?>
+<p:sld xmlns:a="http://schemas.openxmlformats.org/drawingml/2006/main" xmlns:r="http://schemas.openxmlformats.org/officeDocument/2006/relationships" xmlns:p="http://schemas.openxmlformats.org/presentationml/2006/main">
+  <p:cSld>
+    <p:spTree>
+      <p:nvGrpSpPr>
+        <p:cNvPr id="1" name="">
+          <a:extLst>
+            <a:ext uri="{FF2B5EF4-FFF2-40B4-BE49-F238E27FC236}">
               <a16:creationId xmlns:a16="http://schemas.microsoft.com/office/drawing/2014/main" id="{96167786-EAA1-81E2-D738-CEAE4648368A}"/>
             </a:ext>
           </a:extLst>
@@ -8342,231 +8567,6 @@
     <p:extLst>
       <p:ext uri="{BB962C8B-B14F-4D97-AF65-F5344CB8AC3E}">
         <p14:creationId xmlns:p14="http://schemas.microsoft.com/office/powerpoint/2010/main" val="2751384798"/>
-      </p:ext>
-    </p:extLst>
-  </p:cSld>
-  <p:clrMapOvr>
-    <a:masterClrMapping/>
-  </p:clrMapOvr>
-</p:sld>
-</file>
-
-<file path=ppt/slides/slide11.xml><?xml version="1.0" encoding="utf-8"?>
-<p:sld xmlns:a="http://schemas.openxmlformats.org/drawingml/2006/main" xmlns:r="http://schemas.openxmlformats.org/officeDocument/2006/relationships" xmlns:p="http://schemas.openxmlformats.org/presentationml/2006/main">
-  <p:cSld>
-    <p:spTree>
-      <p:nvGrpSpPr>
-        <p:cNvPr id="1" name="">
-          <a:extLst>
-            <a:ext uri="{FF2B5EF4-FFF2-40B4-BE49-F238E27FC236}">
-              <a16:creationId xmlns:a16="http://schemas.microsoft.com/office/drawing/2014/main" id="{A915FA1C-D90C-1EE1-4A5E-C1468D7DF9FA}"/>
-            </a:ext>
-          </a:extLst>
-        </p:cNvPr>
-        <p:cNvGrpSpPr/>
-        <p:nvPr/>
-      </p:nvGrpSpPr>
-      <p:grpSpPr>
-        <a:xfrm>
-          <a:off x="0" y="0"/>
-          <a:ext cx="0" cy="0"/>
-          <a:chOff x="0" y="0"/>
-          <a:chExt cx="0" cy="0"/>
-        </a:xfrm>
-      </p:grpSpPr>
-      <p:sp>
-        <p:nvSpPr>
-          <p:cNvPr id="4" name="Title 3">
-            <a:extLst>
-              <a:ext uri="{FF2B5EF4-FFF2-40B4-BE49-F238E27FC236}">
-                <a16:creationId xmlns:a16="http://schemas.microsoft.com/office/drawing/2014/main" id="{395EB9BC-F556-C5A1-D1CA-E437796861FE}"/>
-              </a:ext>
-            </a:extLst>
-          </p:cNvPr>
-          <p:cNvSpPr>
-            <a:spLocks noGrp="1"/>
-          </p:cNvSpPr>
-          <p:nvPr>
-            <p:ph type="title"/>
-          </p:nvPr>
-        </p:nvSpPr>
-        <p:spPr/>
-        <p:txBody>
-          <a:bodyPr/>
-          <a:lstStyle/>
-          <a:p>
-            <a:r>
-              <a:rPr lang="en-US" dirty="0"/>
-              <a:t>Step-by-Step Installation</a:t>
-            </a:r>
-          </a:p>
-        </p:txBody>
-      </p:sp>
-      <p:sp>
-        <p:nvSpPr>
-          <p:cNvPr id="5" name="Content Placeholder 4">
-            <a:extLst>
-              <a:ext uri="{FF2B5EF4-FFF2-40B4-BE49-F238E27FC236}">
-                <a16:creationId xmlns:a16="http://schemas.microsoft.com/office/drawing/2014/main" id="{FF1F7756-204F-1927-4533-6720D445168E}"/>
-              </a:ext>
-            </a:extLst>
-          </p:cNvPr>
-          <p:cNvSpPr>
-            <a:spLocks noGrp="1"/>
-          </p:cNvSpPr>
-          <p:nvPr>
-            <p:ph sz="quarter" idx="1"/>
-          </p:nvPr>
-        </p:nvSpPr>
-        <p:spPr/>
-        <p:txBody>
-          <a:bodyPr>
-            <a:normAutofit/>
-          </a:bodyPr>
-          <a:lstStyle/>
-          <a:p>
-            <a:r>
-              <a:rPr lang="en-US" sz="1800" dirty="0"/>
-              <a:t>1. </a:t>
-            </a:r>
-            <a:r>
-              <a:rPr lang="en-US" sz="1800" b="1" dirty="0"/>
-              <a:t>Install Node.js and </a:t>
-            </a:r>
-            <a:r>
-              <a:rPr lang="en-US" sz="1800" b="1" dirty="0" err="1"/>
-              <a:t>npm</a:t>
-            </a:r>
-            <a:endParaRPr lang="en-US" sz="1800" b="1" dirty="0"/>
-          </a:p>
-          <a:p>
-            <a:r>
-              <a:rPr lang="en-US" sz="1800" dirty="0"/>
-              <a:t>Download from: </a:t>
-            </a:r>
-            <a:r>
-              <a:rPr lang="en-US" sz="1800" dirty="0">
-                <a:hlinkClick r:id="rId3"/>
-              </a:rPr>
-              <a:t>https://nodejs.org</a:t>
-            </a:r>
-            <a:endParaRPr lang="en-US" sz="1800" dirty="0"/>
-          </a:p>
-          <a:p>
-            <a:r>
-              <a:rPr lang="en-US" sz="1800" dirty="0"/>
-              <a:t>Verify installation:</a:t>
-            </a:r>
-          </a:p>
-          <a:p>
-            <a:endParaRPr lang="en-US" sz="1800" dirty="0"/>
-          </a:p>
-          <a:p>
-            <a:pPr marL="0" indent="0">
-              <a:buNone/>
-            </a:pPr>
-            <a:endParaRPr lang="en-US" sz="1800" dirty="0"/>
-          </a:p>
-          <a:p>
-            <a:r>
-              <a:rPr lang="en-US" sz="1800" dirty="0"/>
-              <a:t>2. </a:t>
-            </a:r>
-            <a:r>
-              <a:rPr lang="en-US" sz="1800" b="1" dirty="0"/>
-              <a:t>Install Angular CLI</a:t>
-            </a:r>
-          </a:p>
-          <a:p>
-            <a:r>
-              <a:rPr lang="en-US" sz="1800" dirty="0"/>
-              <a:t>The Angular CLI is a command-line tool to create and manage Angular apps.</a:t>
-            </a:r>
-          </a:p>
-          <a:p>
-            <a:endParaRPr lang="en-US" sz="2400" dirty="0"/>
-          </a:p>
-          <a:p>
-            <a:endParaRPr lang="en-US" sz="2400" dirty="0"/>
-          </a:p>
-          <a:p>
-            <a:endParaRPr lang="en-US" sz="2200" dirty="0"/>
-          </a:p>
-          <a:p>
-            <a:endParaRPr lang="en-US" sz="2400" dirty="0"/>
-          </a:p>
-          <a:p>
-            <a:endParaRPr lang="en-US" dirty="0"/>
-          </a:p>
-          <a:p>
-            <a:endParaRPr lang="en-US" dirty="0"/>
-          </a:p>
-        </p:txBody>
-      </p:sp>
-      <p:pic>
-        <p:nvPicPr>
-          <p:cNvPr id="3" name="Picture 2">
-            <a:extLst>
-              <a:ext uri="{FF2B5EF4-FFF2-40B4-BE49-F238E27FC236}">
-                <a16:creationId xmlns:a16="http://schemas.microsoft.com/office/drawing/2014/main" id="{3DDCF9FB-8081-90D5-D4D2-996E73212B5A}"/>
-              </a:ext>
-            </a:extLst>
-          </p:cNvPr>
-          <p:cNvPicPr>
-            <a:picLocks noChangeAspect="1"/>
-          </p:cNvPicPr>
-          <p:nvPr/>
-        </p:nvPicPr>
-        <p:blipFill>
-          <a:blip r:embed="rId4"/>
-          <a:stretch>
-            <a:fillRect/>
-          </a:stretch>
-        </p:blipFill>
-        <p:spPr>
-          <a:xfrm>
-            <a:off x="4038600" y="2514600"/>
-            <a:ext cx="4800600" cy="1028753"/>
-          </a:xfrm>
-          <a:prstGeom prst="rect">
-            <a:avLst/>
-          </a:prstGeom>
-        </p:spPr>
-      </p:pic>
-      <p:pic>
-        <p:nvPicPr>
-          <p:cNvPr id="7" name="Picture 6">
-            <a:extLst>
-              <a:ext uri="{FF2B5EF4-FFF2-40B4-BE49-F238E27FC236}">
-                <a16:creationId xmlns:a16="http://schemas.microsoft.com/office/drawing/2014/main" id="{A7A54E44-03D5-8014-2DF9-E5DD8E18AF14}"/>
-              </a:ext>
-            </a:extLst>
-          </p:cNvPr>
-          <p:cNvPicPr>
-            <a:picLocks noChangeAspect="1"/>
-          </p:cNvPicPr>
-          <p:nvPr/>
-        </p:nvPicPr>
-        <p:blipFill>
-          <a:blip r:embed="rId5"/>
-          <a:stretch>
-            <a:fillRect/>
-          </a:stretch>
-        </p:blipFill>
-        <p:spPr>
-          <a:xfrm>
-            <a:off x="2304800" y="4413136"/>
-            <a:ext cx="4769095" cy="2216264"/>
-          </a:xfrm>
-          <a:prstGeom prst="rect">
-            <a:avLst/>
-          </a:prstGeom>
-        </p:spPr>
-      </p:pic>
-    </p:spTree>
-    <p:extLst>
-      <p:ext uri="{BB962C8B-B14F-4D97-AF65-F5344CB8AC3E}">
-        <p14:creationId xmlns:p14="http://schemas.microsoft.com/office/powerpoint/2010/main" val="3646292140"/>
       </p:ext>
     </p:extLst>
   </p:cSld>
